--- a/part2/sect8/02_lda.pptx
+++ b/part2/sect8/02_lda.pptx
@@ -10478,7 +10478,14 @@
             </a:pPr>
             <a:r>
               <a:rPr lang="en-US" dirty="0" smtClean="0"/>
-              <a:t>Grouping concepts into Topics using LDA</a:t>
+              <a:t>Grouping text into </a:t>
+            </a:r>
+            <a:br>
+              <a:rPr lang="en-US" dirty="0" smtClean="0"/>
+            </a:br>
+            <a:r>
+              <a:rPr lang="en-US" dirty="0" smtClean="0"/>
+              <a:t>topics using LDA</a:t>
             </a:r>
             <a:endParaRPr lang="en" dirty="0"/>
           </a:p>
@@ -10725,7 +10732,7 @@
         <p:spPr>
           <a:xfrm>
             <a:off x="838200" y="1200150"/>
-            <a:ext cx="6858000" cy="1323439"/>
+            <a:ext cx="6858000" cy="1631216"/>
           </a:xfrm>
           <a:prstGeom prst="rect">
             <a:avLst/>
@@ -10743,15 +10750,15 @@
             </a:pPr>
             <a:r>
               <a:rPr lang="en-US" sz="2000" dirty="0" smtClean="0"/>
-              <a:t>Download National </a:t>
+              <a:t>Download </a:t>
             </a:r>
             <a:r>
-              <a:rPr lang="en-US" sz="2000" dirty="0" err="1" smtClean="0"/>
-              <a:t>Scient</a:t>
+              <a:rPr lang="en-US" sz="2000" smtClean="0"/>
+              <a:t>National Science </a:t>
             </a:r>
             <a:r>
               <a:rPr lang="en-US" sz="2000" dirty="0" smtClean="0"/>
-              <a:t> Foundation Award Abstracts </a:t>
+              <a:t>Foundation Award Abstracts </a:t>
             </a:r>
             <a:r>
               <a:rPr lang="en-US" sz="2000" dirty="0" smtClean="0">
@@ -10780,7 +10787,15 @@
             </a:pPr>
             <a:r>
               <a:rPr lang="en-US" sz="2000" dirty="0" smtClean="0"/>
-              <a:t>Trained on a few thousand documents</a:t>
+              <a:t>Trained on a few thousand documents more </a:t>
+            </a:r>
+            <a:r>
+              <a:rPr lang="en-US" sz="2000" dirty="0" err="1" smtClean="0"/>
+              <a:t>traning</a:t>
+            </a:r>
+            <a:r>
+              <a:rPr lang="en-US" sz="2000" dirty="0" smtClean="0"/>
+              <a:t> produces betters clustering</a:t>
             </a:r>
           </a:p>
         </p:txBody>
